--- a/website/스토리 보드_v1.0.pptx
+++ b/website/스토리 보드_v1.0.pptx
@@ -227,7 +227,7 @@
             <a:fld id="{368C27B5-1C5B-4F09-A7C0-020D61B79805}" type="datetimeFigureOut">
               <a:rPr lang="ko-KR" altLang="en-US" smtClean="0"/>
               <a:pPr/>
-              <a:t>2021-08-21</a:t>
+              <a:t>2021-08-23</a:t>
             </a:fld>
             <a:endParaRPr lang="ko-KR" altLang="en-US"/>
           </a:p>
@@ -5108,132 +5108,6 @@
               <a:t>티티카카</a:t>
             </a:r>
             <a:endParaRPr lang="en-US" altLang="ko-KR" dirty="0"/>
-          </a:p>
-          <a:p>
-            <a:r>
-              <a:rPr lang="en-US" altLang="ko-KR" strike="sngStrike" dirty="0">
-                <a:solidFill>
-                  <a:schemeClr val="bg1">
-                    <a:lumMod val="85000"/>
-                  </a:schemeClr>
-                </a:solidFill>
-              </a:rPr>
-              <a:t>4.2 </a:t>
-            </a:r>
-            <a:r>
-              <a:rPr lang="ko-KR" altLang="en-US" strike="sngStrike" dirty="0" err="1">
-                <a:solidFill>
-                  <a:schemeClr val="bg1">
-                    <a:lumMod val="85000"/>
-                  </a:schemeClr>
-                </a:solidFill>
-              </a:rPr>
-              <a:t>알폰스테크</a:t>
-            </a:r>
-            <a:r>
-              <a:rPr lang="ko-KR" altLang="en-US" strike="sngStrike" dirty="0">
-                <a:solidFill>
-                  <a:schemeClr val="bg1">
-                    <a:lumMod val="85000"/>
-                  </a:schemeClr>
-                </a:solidFill>
-              </a:rPr>
-              <a:t> 주식회사</a:t>
-            </a:r>
-            <a:endParaRPr lang="en-US" altLang="ko-KR" strike="sngStrike" dirty="0">
-              <a:solidFill>
-                <a:schemeClr val="bg1">
-                  <a:lumMod val="85000"/>
-                </a:schemeClr>
-              </a:solidFill>
-            </a:endParaRPr>
-          </a:p>
-          <a:p>
-            <a:r>
-              <a:rPr lang="en-US" altLang="ko-KR" strike="sngStrike" dirty="0">
-                <a:solidFill>
-                  <a:schemeClr val="bg1">
-                    <a:lumMod val="85000"/>
-                  </a:schemeClr>
-                </a:solidFill>
-              </a:rPr>
-              <a:t>4.3 </a:t>
-            </a:r>
-            <a:r>
-              <a:rPr lang="ko-KR" altLang="en-US" strike="sngStrike" dirty="0" err="1">
-                <a:solidFill>
-                  <a:schemeClr val="bg1">
-                    <a:lumMod val="85000"/>
-                  </a:schemeClr>
-                </a:solidFill>
-              </a:rPr>
-              <a:t>컴투스</a:t>
-            </a:r>
-            <a:endParaRPr lang="en-US" altLang="ko-KR" strike="sngStrike" dirty="0">
-              <a:solidFill>
-                <a:schemeClr val="bg1">
-                  <a:lumMod val="85000"/>
-                </a:schemeClr>
-              </a:solidFill>
-            </a:endParaRPr>
-          </a:p>
-          <a:p>
-            <a:r>
-              <a:rPr lang="en-US" altLang="ko-KR" strike="sngStrike" dirty="0">
-                <a:solidFill>
-                  <a:schemeClr val="bg1">
-                    <a:lumMod val="85000"/>
-                  </a:schemeClr>
-                </a:solidFill>
-              </a:rPr>
-              <a:t>4.4 </a:t>
-            </a:r>
-            <a:r>
-              <a:rPr lang="ko-KR" altLang="en-US" strike="sngStrike" dirty="0" err="1">
-                <a:solidFill>
-                  <a:schemeClr val="bg1">
-                    <a:lumMod val="85000"/>
-                  </a:schemeClr>
-                </a:solidFill>
-              </a:rPr>
-              <a:t>샤나</a:t>
-            </a:r>
-            <a:endParaRPr lang="en-US" altLang="ko-KR" strike="sngStrike" dirty="0">
-              <a:solidFill>
-                <a:schemeClr val="bg1">
-                  <a:lumMod val="85000"/>
-                </a:schemeClr>
-              </a:solidFill>
-            </a:endParaRPr>
-          </a:p>
-          <a:p>
-            <a:r>
-              <a:rPr lang="en-US" altLang="ko-KR" strike="sngStrike" dirty="0">
-                <a:solidFill>
-                  <a:schemeClr val="bg1">
-                    <a:lumMod val="85000"/>
-                  </a:schemeClr>
-                </a:solidFill>
-              </a:rPr>
-              <a:t>4.5 </a:t>
-            </a:r>
-            <a:r>
-              <a:rPr lang="ko-KR" altLang="en-US" strike="sngStrike" dirty="0" err="1">
-                <a:solidFill>
-                  <a:schemeClr val="bg1">
-                    <a:lumMod val="85000"/>
-                  </a:schemeClr>
-                </a:solidFill>
-              </a:rPr>
-              <a:t>스카이디지탈</a:t>
-            </a:r>
-            <a:endParaRPr lang="en-US" altLang="ko-KR" strike="sngStrike" dirty="0">
-              <a:solidFill>
-                <a:schemeClr val="bg1">
-                  <a:lumMod val="85000"/>
-                </a:schemeClr>
-              </a:solidFill>
-            </a:endParaRPr>
           </a:p>
         </p:txBody>
       </p:sp>
@@ -12436,14 +12310,14 @@
           <p:nvPr>
             <p:extLst>
               <p:ext uri="{D42A27DB-BD31-4B8C-83A1-F6EECF244321}">
-                <p14:modId xmlns:p14="http://schemas.microsoft.com/office/powerpoint/2010/main" val="970831451"/>
+                <p14:modId xmlns:p14="http://schemas.microsoft.com/office/powerpoint/2010/main" val="1314115724"/>
               </p:ext>
             </p:extLst>
           </p:nvPr>
         </p:nvGraphicFramePr>
         <p:xfrm>
           <a:off x="217612" y="622201"/>
-          <a:ext cx="8631436" cy="3815125"/>
+          <a:ext cx="8631436" cy="3447994"/>
         </p:xfrm>
         <a:graphic>
           <a:graphicData uri="http://schemas.openxmlformats.org/drawingml/2006/table">
@@ -13511,18 +13385,6 @@
                     <a:lstStyle/>
                     <a:p>
                       <a:pPr algn="ctr"/>
-                      <a:r>
-                        <a:rPr lang="en-US" altLang="ko-KR" sz="900" strike="sngStrike" dirty="0">
-                          <a:solidFill>
-                            <a:schemeClr val="bg1">
-                              <a:lumMod val="75000"/>
-                            </a:schemeClr>
-                          </a:solidFill>
-                          <a:latin typeface="+mn-ea"/>
-                          <a:ea typeface="+mn-ea"/>
-                        </a:rPr>
-                        <a:t>v1.1</a:t>
-                      </a:r>
                       <a:endParaRPr lang="ko-KR" altLang="en-US" sz="900" strike="sngStrike" dirty="0">
                         <a:solidFill>
                           <a:schemeClr val="bg1">
@@ -13613,18 +13475,6 @@
                         <a:tabLst/>
                         <a:defRPr/>
                       </a:pPr>
-                      <a:r>
-                        <a:rPr lang="en-US" altLang="ko-KR" sz="900" strike="sngStrike" dirty="0">
-                          <a:solidFill>
-                            <a:schemeClr val="bg1">
-                              <a:lumMod val="75000"/>
-                            </a:schemeClr>
-                          </a:solidFill>
-                          <a:latin typeface="+mn-ea"/>
-                          <a:ea typeface="+mn-ea"/>
-                        </a:rPr>
-                        <a:t>2021.03.08</a:t>
-                      </a:r>
                       <a:endParaRPr lang="ko-KR" altLang="en-US" sz="900" strike="sngStrike" dirty="0">
                         <a:solidFill>
                           <a:schemeClr val="bg1">
@@ -13703,26 +13553,6 @@
                     <a:bodyPr/>
                     <a:lstStyle/>
                     <a:p>
-                      <a:r>
-                        <a:rPr lang="en-US" altLang="ko-KR" sz="900" strike="sngStrike" dirty="0">
-                          <a:solidFill>
-                            <a:schemeClr val="bg1">
-                              <a:lumMod val="75000"/>
-                            </a:schemeClr>
-                          </a:solidFill>
-                        </a:rPr>
-                        <a:t>3.5.1</a:t>
-                      </a:r>
-                      <a:r>
-                        <a:rPr lang="en-US" altLang="ko-KR" sz="900" strike="sngStrike" baseline="0" dirty="0">
-                          <a:solidFill>
-                            <a:schemeClr val="bg1">
-                              <a:lumMod val="75000"/>
-                            </a:schemeClr>
-                          </a:solidFill>
-                        </a:rPr>
-                        <a:t>P</a:t>
-                      </a:r>
                       <a:endParaRPr lang="ko-KR" altLang="en-US" sz="900" strike="sngStrike" dirty="0">
                         <a:solidFill>
                           <a:schemeClr val="bg1">
@@ -13816,58 +13646,6 @@
                         <a:tabLst/>
                         <a:defRPr/>
                       </a:pPr>
-                      <a:r>
-                        <a:rPr lang="ko-KR" altLang="en-US" sz="900" b="0" strike="sngStrike" baseline="0" dirty="0">
-                          <a:solidFill>
-                            <a:schemeClr val="bg1">
-                              <a:lumMod val="75000"/>
-                            </a:schemeClr>
-                          </a:solidFill>
-                          <a:latin typeface="+mn-ea"/>
-                          <a:ea typeface="+mn-ea"/>
-                        </a:rPr>
-                        <a:t>메인 페이지 수정</a:t>
-                      </a:r>
-                      <a:endParaRPr lang="en-US" altLang="ko-KR" sz="900" b="0" strike="sngStrike" baseline="0" dirty="0">
-                        <a:solidFill>
-                          <a:schemeClr val="bg1">
-                            <a:lumMod val="75000"/>
-                          </a:schemeClr>
-                        </a:solidFill>
-                        <a:latin typeface="+mn-ea"/>
-                        <a:ea typeface="+mn-ea"/>
-                      </a:endParaRPr>
-                    </a:p>
-                    <a:p>
-                      <a:pPr marL="171450" marR="0" indent="-171450" algn="l" defTabSz="914400" rtl="0" eaLnBrk="1" fontAlgn="auto" latinLnBrk="1" hangingPunct="1">
-                        <a:lnSpc>
-                          <a:spcPct val="100000"/>
-                        </a:lnSpc>
-                        <a:spcBef>
-                          <a:spcPts val="0"/>
-                        </a:spcBef>
-                        <a:spcAft>
-                          <a:spcPts val="0"/>
-                        </a:spcAft>
-                        <a:buClrTx/>
-                        <a:buSzTx/>
-                        <a:buFontTx/>
-                        <a:buChar char="-"/>
-                        <a:tabLst/>
-                        <a:defRPr/>
-                      </a:pPr>
-                      <a:r>
-                        <a:rPr lang="ko-KR" altLang="en-US" sz="900" b="0" strike="sngStrike" baseline="0" dirty="0">
-                          <a:solidFill>
-                            <a:schemeClr val="bg1">
-                              <a:lumMod val="75000"/>
-                            </a:schemeClr>
-                          </a:solidFill>
-                          <a:latin typeface="+mn-ea"/>
-                          <a:ea typeface="+mn-ea"/>
-                        </a:rPr>
-                        <a:t>메인 페이지 슬라이드 반영</a:t>
-                      </a:r>
                       <a:endParaRPr lang="en-US" altLang="ko-KR" sz="900" b="0" strike="sngStrike" baseline="0" dirty="0">
                         <a:solidFill>
                           <a:schemeClr val="bg1">
@@ -13962,22 +13740,19 @@
                         <a:buNone/>
                         <a:tabLst/>
                       </a:pPr>
-                      <a:r>
-                        <a:rPr kumimoji="1" lang="en-US" altLang="ko-KR" sz="900" b="0" i="0" u="none" strike="sngStrike" cap="none" normalizeH="0" baseline="0" dirty="0">
-                          <a:ln>
-                            <a:noFill/>
-                          </a:ln>
-                          <a:solidFill>
-                            <a:schemeClr val="bg1">
-                              <a:lumMod val="75000"/>
-                            </a:schemeClr>
-                          </a:solidFill>
-                          <a:effectLst/>
-                          <a:latin typeface="+mn-ea"/>
-                          <a:ea typeface="+mn-ea"/>
-                        </a:rPr>
-                        <a:t>000</a:t>
-                      </a:r>
+                      <a:endParaRPr kumimoji="1" lang="en-US" altLang="ko-KR" sz="900" b="0" i="0" u="none" strike="sngStrike" cap="none" normalizeH="0" baseline="0" dirty="0">
+                        <a:ln>
+                          <a:noFill/>
+                        </a:ln>
+                        <a:solidFill>
+                          <a:schemeClr val="bg1">
+                            <a:lumMod val="75000"/>
+                          </a:schemeClr>
+                        </a:solidFill>
+                        <a:effectLst/>
+                        <a:latin typeface="+mn-ea"/>
+                        <a:ea typeface="+mn-ea"/>
+                      </a:endParaRPr>
                     </a:p>
                   </a:txBody>
                   <a:tcPr marL="90333" marR="90333" marT="32641" marB="32641" horzOverflow="overflow">
@@ -14066,18 +13841,6 @@
                         <a:tabLst/>
                         <a:defRPr/>
                       </a:pPr>
-                      <a:r>
-                        <a:rPr lang="en-US" altLang="ko-KR" sz="900" strike="sngStrike" dirty="0">
-                          <a:solidFill>
-                            <a:schemeClr val="bg1">
-                              <a:lumMod val="75000"/>
-                            </a:schemeClr>
-                          </a:solidFill>
-                          <a:latin typeface="+mn-ea"/>
-                          <a:ea typeface="+mn-ea"/>
-                        </a:rPr>
-                        <a:t>v1.2</a:t>
-                      </a:r>
                       <a:endParaRPr lang="ko-KR" altLang="en-US" sz="900" strike="sngStrike" dirty="0">
                         <a:solidFill>
                           <a:schemeClr val="bg1">
@@ -14168,18 +13931,6 @@
                         <a:tabLst/>
                         <a:defRPr/>
                       </a:pPr>
-                      <a:r>
-                        <a:rPr lang="en-US" altLang="ko-KR" sz="900" strike="sngStrike" dirty="0">
-                          <a:solidFill>
-                            <a:schemeClr val="bg1">
-                              <a:lumMod val="75000"/>
-                            </a:schemeClr>
-                          </a:solidFill>
-                          <a:latin typeface="+mn-ea"/>
-                          <a:ea typeface="+mn-ea"/>
-                        </a:rPr>
-                        <a:t>2021.03.12</a:t>
-                      </a:r>
                       <a:endParaRPr lang="ko-KR" altLang="en-US" sz="900" strike="sngStrike" dirty="0">
                         <a:solidFill>
                           <a:schemeClr val="bg1">
@@ -14275,18 +14026,15 @@
                         <a:tabLst/>
                         <a:defRPr/>
                       </a:pPr>
-                      <a:r>
-                        <a:rPr lang="en-US" altLang="ko-KR" sz="900" b="0" strike="sngStrike" baseline="0" dirty="0">
-                          <a:solidFill>
-                            <a:schemeClr val="bg1">
-                              <a:lumMod val="75000"/>
-                            </a:schemeClr>
-                          </a:solidFill>
-                          <a:latin typeface="+mn-ea"/>
-                          <a:ea typeface="+mn-ea"/>
-                        </a:rPr>
-                        <a:t>4.5.1P, 4.5.2P, 4.5.3P, 4.5.4P</a:t>
-                      </a:r>
+                      <a:endParaRPr lang="en-US" altLang="ko-KR" sz="900" b="0" strike="sngStrike" baseline="0" dirty="0">
+                        <a:solidFill>
+                          <a:schemeClr val="bg1">
+                            <a:lumMod val="75000"/>
+                          </a:schemeClr>
+                        </a:solidFill>
+                        <a:latin typeface="+mn-ea"/>
+                        <a:ea typeface="+mn-ea"/>
+                      </a:endParaRPr>
                     </a:p>
                   </a:txBody>
                   <a:tcPr marL="90333" marR="90333" marT="32641" marB="32641" horzOverflow="overflow">
@@ -14373,118 +14121,6 @@
                         <a:tabLst/>
                         <a:defRPr/>
                       </a:pPr>
-                      <a:r>
-                        <a:rPr lang="ko-KR" altLang="en-US" sz="900" b="0" strike="sngStrike" baseline="0" dirty="0">
-                          <a:solidFill>
-                            <a:schemeClr val="bg1">
-                              <a:lumMod val="75000"/>
-                            </a:schemeClr>
-                          </a:solidFill>
-                          <a:latin typeface="+mn-ea"/>
-                          <a:ea typeface="+mn-ea"/>
-                        </a:rPr>
-                        <a:t>서브 페이지 추가</a:t>
-                      </a:r>
-                      <a:endParaRPr lang="en-US" altLang="ko-KR" sz="900" b="0" strike="sngStrike" baseline="0" dirty="0">
-                        <a:solidFill>
-                          <a:schemeClr val="bg1">
-                            <a:lumMod val="75000"/>
-                          </a:schemeClr>
-                        </a:solidFill>
-                        <a:latin typeface="+mn-ea"/>
-                        <a:ea typeface="+mn-ea"/>
-                      </a:endParaRPr>
-                    </a:p>
-                    <a:p>
-                      <a:pPr marL="0" marR="0" indent="0" algn="l" defTabSz="914400" rtl="0" eaLnBrk="1" fontAlgn="auto" latinLnBrk="1" hangingPunct="1">
-                        <a:lnSpc>
-                          <a:spcPct val="100000"/>
-                        </a:lnSpc>
-                        <a:spcBef>
-                          <a:spcPts val="0"/>
-                        </a:spcBef>
-                        <a:spcAft>
-                          <a:spcPts val="0"/>
-                        </a:spcAft>
-                        <a:buClrTx/>
-                        <a:buSzTx/>
-                        <a:buFontTx/>
-                        <a:buNone/>
-                        <a:tabLst/>
-                        <a:defRPr/>
-                      </a:pPr>
-                      <a:r>
-                        <a:rPr lang="en-US" altLang="ko-KR" sz="900" b="0" strike="sngStrike" baseline="0" dirty="0">
-                          <a:solidFill>
-                            <a:schemeClr val="bg1">
-                              <a:lumMod val="75000"/>
-                            </a:schemeClr>
-                          </a:solidFill>
-                          <a:latin typeface="+mn-ea"/>
-                          <a:ea typeface="+mn-ea"/>
-                        </a:rPr>
-                        <a:t>- </a:t>
-                      </a:r>
-                      <a:r>
-                        <a:rPr lang="ko-KR" altLang="en-US" sz="900" b="0" strike="sngStrike" baseline="0" dirty="0">
-                          <a:solidFill>
-                            <a:schemeClr val="bg1">
-                              <a:lumMod val="75000"/>
-                            </a:schemeClr>
-                          </a:solidFill>
-                          <a:latin typeface="+mn-ea"/>
-                          <a:ea typeface="+mn-ea"/>
-                        </a:rPr>
-                        <a:t>회사소개</a:t>
-                      </a:r>
-                      <a:r>
-                        <a:rPr lang="en-US" altLang="ko-KR" sz="900" b="0" strike="sngStrike" baseline="0" dirty="0">
-                          <a:solidFill>
-                            <a:schemeClr val="bg1">
-                              <a:lumMod val="75000"/>
-                            </a:schemeClr>
-                          </a:solidFill>
-                          <a:latin typeface="+mn-ea"/>
-                          <a:ea typeface="+mn-ea"/>
-                        </a:rPr>
-                        <a:t>, </a:t>
-                      </a:r>
-                      <a:r>
-                        <a:rPr lang="ko-KR" altLang="en-US" sz="900" b="0" strike="sngStrike" baseline="0" dirty="0">
-                          <a:solidFill>
-                            <a:schemeClr val="bg1">
-                              <a:lumMod val="75000"/>
-                            </a:schemeClr>
-                          </a:solidFill>
-                          <a:latin typeface="+mn-ea"/>
-                          <a:ea typeface="+mn-ea"/>
-                        </a:rPr>
-                        <a:t>커뮤니티</a:t>
-                      </a:r>
-                      <a:r>
-                        <a:rPr lang="en-US" altLang="ko-KR" sz="900" b="0" strike="sngStrike" baseline="0" dirty="0">
-                          <a:solidFill>
-                            <a:schemeClr val="bg1">
-                              <a:lumMod val="75000"/>
-                            </a:schemeClr>
-                          </a:solidFill>
-                          <a:latin typeface="+mn-ea"/>
-                          <a:ea typeface="+mn-ea"/>
-                        </a:rPr>
-                        <a:t>, </a:t>
-                      </a:r>
-                      <a:r>
-                        <a:rPr lang="ko-KR" altLang="en-US" sz="900" b="0" strike="sngStrike" baseline="0" dirty="0">
-                          <a:solidFill>
-                            <a:schemeClr val="bg1">
-                              <a:lumMod val="75000"/>
-                            </a:schemeClr>
-                          </a:solidFill>
-                          <a:latin typeface="+mn-ea"/>
-                          <a:ea typeface="+mn-ea"/>
-                        </a:rPr>
-                        <a:t>고객지원</a:t>
-                      </a:r>
                       <a:endParaRPr lang="en-US" altLang="ko-KR" sz="900" b="0" strike="sngStrike" baseline="0" dirty="0">
                         <a:solidFill>
                           <a:schemeClr val="bg1">
@@ -14580,22 +14216,19 @@
                         <a:tabLst/>
                         <a:defRPr/>
                       </a:pPr>
-                      <a:r>
-                        <a:rPr kumimoji="1" lang="en-US" altLang="ko-KR" sz="900" b="0" i="0" u="none" strike="sngStrike" cap="none" normalizeH="0" baseline="0" dirty="0">
-                          <a:ln>
-                            <a:noFill/>
-                          </a:ln>
-                          <a:solidFill>
-                            <a:schemeClr val="bg1">
-                              <a:lumMod val="75000"/>
-                            </a:schemeClr>
-                          </a:solidFill>
-                          <a:effectLst/>
-                          <a:latin typeface="+mn-ea"/>
-                          <a:ea typeface="+mn-ea"/>
-                        </a:rPr>
-                        <a:t>000</a:t>
-                      </a:r>
+                      <a:endParaRPr kumimoji="1" lang="en-US" altLang="ko-KR" sz="900" b="0" i="0" u="none" strike="sngStrike" cap="none" normalizeH="0" baseline="0" dirty="0">
+                        <a:ln>
+                          <a:noFill/>
+                        </a:ln>
+                        <a:solidFill>
+                          <a:schemeClr val="bg1">
+                            <a:lumMod val="75000"/>
+                          </a:schemeClr>
+                        </a:solidFill>
+                        <a:effectLst/>
+                        <a:latin typeface="+mn-ea"/>
+                        <a:ea typeface="+mn-ea"/>
+                      </a:endParaRPr>
                     </a:p>
                   </a:txBody>
                   <a:tcPr marL="90333" marR="90333" marT="32641" marB="32641" horzOverflow="overflow">
@@ -14684,18 +14317,6 @@
                         <a:tabLst/>
                         <a:defRPr/>
                       </a:pPr>
-                      <a:r>
-                        <a:rPr lang="en-US" altLang="ko-KR" sz="900" strike="sngStrike" dirty="0">
-                          <a:solidFill>
-                            <a:schemeClr val="bg1">
-                              <a:lumMod val="75000"/>
-                            </a:schemeClr>
-                          </a:solidFill>
-                          <a:latin typeface="+mn-ea"/>
-                          <a:ea typeface="+mn-ea"/>
-                        </a:rPr>
-                        <a:t>v1.3</a:t>
-                      </a:r>
                       <a:endParaRPr lang="ko-KR" altLang="en-US" sz="900" strike="sngStrike" dirty="0">
                         <a:solidFill>
                           <a:schemeClr val="bg1">
@@ -14786,18 +14407,6 @@
                         <a:tabLst/>
                         <a:defRPr/>
                       </a:pPr>
-                      <a:r>
-                        <a:rPr lang="en-US" altLang="ko-KR" sz="900" strike="sngStrike" dirty="0">
-                          <a:solidFill>
-                            <a:schemeClr val="bg1">
-                              <a:lumMod val="75000"/>
-                            </a:schemeClr>
-                          </a:solidFill>
-                          <a:latin typeface="+mn-ea"/>
-                          <a:ea typeface="+mn-ea"/>
-                        </a:rPr>
-                        <a:t>2021.03.15</a:t>
-                      </a:r>
                       <a:endParaRPr lang="ko-KR" altLang="en-US" sz="900" strike="sngStrike" dirty="0">
                         <a:solidFill>
                           <a:schemeClr val="bg1">
@@ -14893,18 +14502,15 @@
                         <a:tabLst/>
                         <a:defRPr/>
                       </a:pPr>
-                      <a:r>
-                        <a:rPr lang="en-US" altLang="ko-KR" sz="900" b="0" strike="sngStrike" baseline="0" dirty="0">
-                          <a:solidFill>
-                            <a:schemeClr val="bg1">
-                              <a:lumMod val="75000"/>
-                            </a:schemeClr>
-                          </a:solidFill>
-                          <a:latin typeface="+mn-ea"/>
-                          <a:ea typeface="+mn-ea"/>
-                        </a:rPr>
-                        <a:t>4.5.5P</a:t>
-                      </a:r>
+                      <a:endParaRPr lang="en-US" altLang="ko-KR" sz="900" b="0" strike="sngStrike" baseline="0" dirty="0">
+                        <a:solidFill>
+                          <a:schemeClr val="bg1">
+                            <a:lumMod val="75000"/>
+                          </a:schemeClr>
+                        </a:solidFill>
+                        <a:latin typeface="+mn-ea"/>
+                        <a:ea typeface="+mn-ea"/>
+                      </a:endParaRPr>
                     </a:p>
                   </a:txBody>
                   <a:tcPr marL="90333" marR="90333" marT="32641" marB="32641" horzOverflow="overflow">
@@ -14991,70 +14597,6 @@
                         <a:tabLst/>
                         <a:defRPr/>
                       </a:pPr>
-                      <a:r>
-                        <a:rPr lang="ko-KR" altLang="en-US" sz="900" b="0" strike="sngStrike" baseline="0" dirty="0">
-                          <a:solidFill>
-                            <a:schemeClr val="bg1">
-                              <a:lumMod val="75000"/>
-                            </a:schemeClr>
-                          </a:solidFill>
-                          <a:latin typeface="+mn-ea"/>
-                          <a:ea typeface="+mn-ea"/>
-                        </a:rPr>
-                        <a:t>로그인 페이지 추가</a:t>
-                      </a:r>
-                      <a:endParaRPr lang="en-US" altLang="ko-KR" sz="900" b="0" strike="sngStrike" baseline="0" dirty="0">
-                        <a:solidFill>
-                          <a:schemeClr val="bg1">
-                            <a:lumMod val="75000"/>
-                          </a:schemeClr>
-                        </a:solidFill>
-                        <a:latin typeface="+mn-ea"/>
-                        <a:ea typeface="+mn-ea"/>
-                      </a:endParaRPr>
-                    </a:p>
-                    <a:p>
-                      <a:pPr marL="0" marR="0" indent="0" algn="l" defTabSz="914400" rtl="0" eaLnBrk="1" fontAlgn="auto" latinLnBrk="1" hangingPunct="1">
-                        <a:lnSpc>
-                          <a:spcPct val="100000"/>
-                        </a:lnSpc>
-                        <a:spcBef>
-                          <a:spcPts val="0"/>
-                        </a:spcBef>
-                        <a:spcAft>
-                          <a:spcPts val="0"/>
-                        </a:spcAft>
-                        <a:buClrTx/>
-                        <a:buSzTx/>
-                        <a:buFontTx/>
-                        <a:buNone/>
-                        <a:tabLst/>
-                        <a:defRPr/>
-                      </a:pPr>
-                      <a:r>
-                        <a:rPr lang="en-US" altLang="ko-KR" sz="900" b="0" strike="sngStrike" baseline="0" dirty="0">
-                          <a:solidFill>
-                            <a:schemeClr val="bg1">
-                              <a:lumMod val="75000"/>
-                            </a:schemeClr>
-                          </a:solidFill>
-                          <a:latin typeface="+mn-ea"/>
-                          <a:ea typeface="+mn-ea"/>
-                        </a:rPr>
-                        <a:t>- </a:t>
-                      </a:r>
-                      <a:r>
-                        <a:rPr lang="ko-KR" altLang="en-US" sz="900" b="0" strike="sngStrike" baseline="0" dirty="0">
-                          <a:solidFill>
-                            <a:schemeClr val="bg1">
-                              <a:lumMod val="75000"/>
-                            </a:schemeClr>
-                          </a:solidFill>
-                          <a:latin typeface="+mn-ea"/>
-                          <a:ea typeface="+mn-ea"/>
-                        </a:rPr>
-                        <a:t>회원 로그인 폼</a:t>
-                      </a:r>
                       <a:endParaRPr lang="en-US" altLang="ko-KR" sz="900" b="0" strike="sngStrike" baseline="0" dirty="0">
                         <a:solidFill>
                           <a:schemeClr val="bg1">
@@ -15150,22 +14692,19 @@
                         <a:tabLst/>
                         <a:defRPr/>
                       </a:pPr>
-                      <a:r>
-                        <a:rPr kumimoji="1" lang="en-US" altLang="ko-KR" sz="900" b="0" i="0" u="none" strike="sngStrike" cap="none" normalizeH="0" baseline="0" dirty="0">
-                          <a:ln>
-                            <a:noFill/>
-                          </a:ln>
-                          <a:solidFill>
-                            <a:schemeClr val="bg1">
-                              <a:lumMod val="75000"/>
-                            </a:schemeClr>
-                          </a:solidFill>
-                          <a:effectLst/>
-                          <a:latin typeface="+mn-ea"/>
-                          <a:ea typeface="+mn-ea"/>
-                        </a:rPr>
-                        <a:t>000</a:t>
-                      </a:r>
+                      <a:endParaRPr kumimoji="1" lang="en-US" altLang="ko-KR" sz="900" b="0" i="0" u="none" strike="sngStrike" cap="none" normalizeH="0" baseline="0" dirty="0">
+                        <a:ln>
+                          <a:noFill/>
+                        </a:ln>
+                        <a:solidFill>
+                          <a:schemeClr val="bg1">
+                            <a:lumMod val="75000"/>
+                          </a:schemeClr>
+                        </a:solidFill>
+                        <a:effectLst/>
+                        <a:latin typeface="+mn-ea"/>
+                        <a:ea typeface="+mn-ea"/>
+                      </a:endParaRPr>
                     </a:p>
                   </a:txBody>
                   <a:tcPr marL="90333" marR="90333" marT="32641" marB="32641" horzOverflow="overflow">
@@ -15254,18 +14793,6 @@
                         <a:tabLst/>
                         <a:defRPr/>
                       </a:pPr>
-                      <a:r>
-                        <a:rPr lang="en-US" altLang="ko-KR" sz="900" strike="sngStrike" dirty="0">
-                          <a:solidFill>
-                            <a:schemeClr val="bg1">
-                              <a:lumMod val="75000"/>
-                            </a:schemeClr>
-                          </a:solidFill>
-                          <a:latin typeface="+mn-ea"/>
-                          <a:ea typeface="+mn-ea"/>
-                        </a:rPr>
-                        <a:t>v1.4</a:t>
-                      </a:r>
                       <a:endParaRPr lang="ko-KR" altLang="en-US" sz="900" strike="sngStrike" dirty="0">
                         <a:solidFill>
                           <a:schemeClr val="bg1">
@@ -15356,18 +14883,6 @@
                         <a:tabLst/>
                         <a:defRPr/>
                       </a:pPr>
-                      <a:r>
-                        <a:rPr lang="en-US" altLang="ko-KR" sz="900" strike="sngStrike" dirty="0">
-                          <a:solidFill>
-                            <a:schemeClr val="bg1">
-                              <a:lumMod val="75000"/>
-                            </a:schemeClr>
-                          </a:solidFill>
-                          <a:latin typeface="+mn-ea"/>
-                          <a:ea typeface="+mn-ea"/>
-                        </a:rPr>
-                        <a:t>2021.03.17</a:t>
-                      </a:r>
                       <a:endParaRPr lang="ko-KR" altLang="en-US" sz="900" strike="sngStrike" dirty="0">
                         <a:solidFill>
                           <a:schemeClr val="bg1">
@@ -15463,18 +14978,15 @@
                         <a:tabLst/>
                         <a:defRPr/>
                       </a:pPr>
-                      <a:r>
-                        <a:rPr lang="en-US" altLang="ko-KR" sz="900" b="0" strike="sngStrike" baseline="0" dirty="0">
-                          <a:solidFill>
-                            <a:schemeClr val="bg1">
-                              <a:lumMod val="75000"/>
-                            </a:schemeClr>
-                          </a:solidFill>
-                          <a:latin typeface="+mn-ea"/>
-                          <a:ea typeface="+mn-ea"/>
-                        </a:rPr>
-                        <a:t>4.5.6P</a:t>
-                      </a:r>
+                      <a:endParaRPr lang="en-US" altLang="ko-KR" sz="900" b="0" strike="sngStrike" baseline="0" dirty="0">
+                        <a:solidFill>
+                          <a:schemeClr val="bg1">
+                            <a:lumMod val="75000"/>
+                          </a:schemeClr>
+                        </a:solidFill>
+                        <a:latin typeface="+mn-ea"/>
+                        <a:ea typeface="+mn-ea"/>
+                      </a:endParaRPr>
                     </a:p>
                   </a:txBody>
                   <a:tcPr marL="90333" marR="90333" marT="32641" marB="32641" horzOverflow="overflow">
@@ -15561,94 +15073,6 @@
                         <a:tabLst/>
                         <a:defRPr/>
                       </a:pPr>
-                      <a:r>
-                        <a:rPr lang="ko-KR" altLang="en-US" sz="900" b="0" strike="sngStrike" baseline="0" dirty="0">
-                          <a:solidFill>
-                            <a:schemeClr val="bg1">
-                              <a:lumMod val="75000"/>
-                            </a:schemeClr>
-                          </a:solidFill>
-                          <a:latin typeface="+mn-ea"/>
-                          <a:ea typeface="+mn-ea"/>
-                        </a:rPr>
-                        <a:t>회원가입 페이지 추가</a:t>
-                      </a:r>
-                      <a:endParaRPr lang="en-US" altLang="ko-KR" sz="900" b="0" strike="sngStrike" baseline="0" dirty="0">
-                        <a:solidFill>
-                          <a:schemeClr val="bg1">
-                            <a:lumMod val="75000"/>
-                          </a:schemeClr>
-                        </a:solidFill>
-                        <a:latin typeface="+mn-ea"/>
-                        <a:ea typeface="+mn-ea"/>
-                      </a:endParaRPr>
-                    </a:p>
-                    <a:p>
-                      <a:pPr marL="0" marR="0" indent="0" algn="l" defTabSz="914400" rtl="0" eaLnBrk="1" fontAlgn="auto" latinLnBrk="1" hangingPunct="1">
-                        <a:lnSpc>
-                          <a:spcPct val="100000"/>
-                        </a:lnSpc>
-                        <a:spcBef>
-                          <a:spcPts val="0"/>
-                        </a:spcBef>
-                        <a:spcAft>
-                          <a:spcPts val="0"/>
-                        </a:spcAft>
-                        <a:buClrTx/>
-                        <a:buSzTx/>
-                        <a:buFontTx/>
-                        <a:buNone/>
-                        <a:tabLst/>
-                        <a:defRPr/>
-                      </a:pPr>
-                      <a:r>
-                        <a:rPr lang="en-US" altLang="ko-KR" sz="900" b="0" strike="sngStrike" baseline="0" dirty="0">
-                          <a:solidFill>
-                            <a:schemeClr val="bg1">
-                              <a:lumMod val="75000"/>
-                            </a:schemeClr>
-                          </a:solidFill>
-                          <a:latin typeface="+mn-ea"/>
-                          <a:ea typeface="+mn-ea"/>
-                        </a:rPr>
-                        <a:t>- </a:t>
-                      </a:r>
-                      <a:r>
-                        <a:rPr lang="ko-KR" altLang="en-US" sz="900" b="0" strike="sngStrike" baseline="0" dirty="0">
-                          <a:solidFill>
-                            <a:schemeClr val="bg1">
-                              <a:lumMod val="75000"/>
-                            </a:schemeClr>
-                          </a:solidFill>
-                          <a:latin typeface="+mn-ea"/>
-                          <a:ea typeface="+mn-ea"/>
-                        </a:rPr>
-                        <a:t>주소 클릭 시 다음 </a:t>
-                      </a:r>
-                      <a:r>
-                        <a:rPr lang="en-US" altLang="ko-KR" sz="900" b="0" strike="sngStrike" baseline="0" dirty="0">
-                          <a:solidFill>
-                            <a:schemeClr val="bg1">
-                              <a:lumMod val="75000"/>
-                            </a:schemeClr>
-                          </a:solidFill>
-                          <a:latin typeface="+mn-ea"/>
-                          <a:ea typeface="+mn-ea"/>
-                        </a:rPr>
-                        <a:t>API </a:t>
-                      </a:r>
-                      <a:r>
-                        <a:rPr lang="ko-KR" altLang="en-US" sz="900" b="0" strike="sngStrike" baseline="0" dirty="0">
-                          <a:solidFill>
-                            <a:schemeClr val="bg1">
-                              <a:lumMod val="75000"/>
-                            </a:schemeClr>
-                          </a:solidFill>
-                          <a:latin typeface="+mn-ea"/>
-                          <a:ea typeface="+mn-ea"/>
-                        </a:rPr>
-                        <a:t>반영</a:t>
-                      </a:r>
                       <a:endParaRPr lang="en-US" altLang="ko-KR" sz="900" b="0" strike="sngStrike" baseline="0" dirty="0">
                         <a:solidFill>
                           <a:schemeClr val="bg1">
@@ -15744,22 +15168,19 @@
                         <a:tabLst/>
                         <a:defRPr/>
                       </a:pPr>
-                      <a:r>
-                        <a:rPr kumimoji="1" lang="en-US" altLang="ko-KR" sz="900" b="0" i="0" u="none" strike="sngStrike" cap="none" normalizeH="0" baseline="0" dirty="0">
-                          <a:ln>
-                            <a:noFill/>
-                          </a:ln>
-                          <a:solidFill>
-                            <a:schemeClr val="bg1">
-                              <a:lumMod val="75000"/>
-                            </a:schemeClr>
-                          </a:solidFill>
-                          <a:effectLst/>
-                          <a:latin typeface="+mn-ea"/>
-                          <a:ea typeface="+mn-ea"/>
-                        </a:rPr>
-                        <a:t>000</a:t>
-                      </a:r>
+                      <a:endParaRPr kumimoji="1" lang="en-US" altLang="ko-KR" sz="900" b="0" i="0" u="none" strike="sngStrike" cap="none" normalizeH="0" baseline="0" dirty="0">
+                        <a:ln>
+                          <a:noFill/>
+                        </a:ln>
+                        <a:solidFill>
+                          <a:schemeClr val="bg1">
+                            <a:lumMod val="75000"/>
+                          </a:schemeClr>
+                        </a:solidFill>
+                        <a:effectLst/>
+                        <a:latin typeface="+mn-ea"/>
+                        <a:ea typeface="+mn-ea"/>
+                      </a:endParaRPr>
                     </a:p>
                   </a:txBody>
                   <a:tcPr marL="90333" marR="90333" marT="32641" marB="32641" horzOverflow="overflow">
